--- a/3/Golang lecture 3.pptx
+++ b/3/Golang lecture 3.pptx
@@ -7,10 +7,10 @@
     <p:sldMasterId id="2147483702" r:id="rId3"/>
   </p:sldMasterIdLst>
   <p:notesMasterIdLst>
-    <p:notesMasterId r:id="rId15"/>
+    <p:notesMasterId r:id="rId16"/>
   </p:notesMasterIdLst>
   <p:handoutMasterIdLst>
-    <p:handoutMasterId r:id="rId16"/>
+    <p:handoutMasterId r:id="rId17"/>
   </p:handoutMasterIdLst>
   <p:sldIdLst>
     <p:sldId id="256" r:id="rId4"/>
@@ -22,8 +22,9 @@
     <p:sldId id="310" r:id="rId10"/>
     <p:sldId id="311" r:id="rId11"/>
     <p:sldId id="312" r:id="rId12"/>
-    <p:sldId id="306" r:id="rId13"/>
-    <p:sldId id="264" r:id="rId14"/>
+    <p:sldId id="313" r:id="rId13"/>
+    <p:sldId id="306" r:id="rId14"/>
+    <p:sldId id="264" r:id="rId15"/>
   </p:sldIdLst>
   <p:sldSz cx="9144000" cy="6858000" type="screen4x3"/>
   <p:notesSz cx="6858000" cy="9144000"/>
@@ -23135,6 +23136,166 @@
       </p:grpSpPr>
       <p:sp>
         <p:nvSpPr>
+          <p:cNvPr id="2" name="Заголовок 1"/>
+          <p:cNvSpPr>
+            <a:spLocks noGrp="1"/>
+          </p:cNvSpPr>
+          <p:nvPr>
+            <p:ph type="title"/>
+          </p:nvPr>
+        </p:nvSpPr>
+        <p:spPr/>
+        <p:txBody>
+          <a:bodyPr/>
+          <a:lstStyle/>
+          <a:p>
+            <a:r>
+              <a:rPr lang="en-US" dirty="0" smtClean="0"/>
+              <a:t>sync</a:t>
+            </a:r>
+            <a:endParaRPr lang="ru-RU" dirty="0"/>
+          </a:p>
+        </p:txBody>
+      </p:sp>
+      <p:sp>
+        <p:nvSpPr>
+          <p:cNvPr id="3" name="Текст 2"/>
+          <p:cNvSpPr>
+            <a:spLocks noGrp="1"/>
+          </p:cNvSpPr>
+          <p:nvPr>
+            <p:ph type="body" sz="quarter" idx="12"/>
+          </p:nvPr>
+        </p:nvSpPr>
+        <p:spPr/>
+        <p:txBody>
+          <a:bodyPr/>
+          <a:lstStyle/>
+          <a:p>
+            <a:pPr marL="0" indent="0">
+              <a:buNone/>
+            </a:pPr>
+            <a:r>
+              <a:rPr lang="en-US" dirty="0" err="1" smtClean="0"/>
+              <a:t>Mutex</a:t>
+            </a:r>
+            <a:r>
+              <a:rPr lang="en-US" dirty="0" smtClean="0"/>
+              <a:t> (</a:t>
+            </a:r>
+            <a:r>
+              <a:rPr lang="en-US" dirty="0" err="1" smtClean="0"/>
+              <a:t>RWMutex</a:t>
+            </a:r>
+            <a:r>
+              <a:rPr lang="en-US" dirty="0" smtClean="0"/>
+              <a:t>)</a:t>
+            </a:r>
+          </a:p>
+          <a:p>
+            <a:pPr marL="0" indent="0">
+              <a:buNone/>
+            </a:pPr>
+            <a:endParaRPr lang="en-US" dirty="0"/>
+          </a:p>
+          <a:p>
+            <a:pPr marL="0" indent="0">
+              <a:buNone/>
+            </a:pPr>
+            <a:r>
+              <a:rPr lang="en-US" dirty="0" err="1" smtClean="0"/>
+              <a:t>WaitGroup</a:t>
+            </a:r>
+            <a:endParaRPr lang="en-US" dirty="0" smtClean="0"/>
+          </a:p>
+          <a:p>
+            <a:pPr marL="0" indent="0">
+              <a:buNone/>
+            </a:pPr>
+            <a:endParaRPr lang="en-US" dirty="0"/>
+          </a:p>
+          <a:p>
+            <a:pPr marL="0" indent="0">
+              <a:buNone/>
+            </a:pPr>
+            <a:r>
+              <a:rPr lang="en-US" dirty="0" smtClean="0"/>
+              <a:t>Once</a:t>
+            </a:r>
+          </a:p>
+          <a:p>
+            <a:pPr marL="0" indent="0">
+              <a:buNone/>
+            </a:pPr>
+            <a:endParaRPr lang="en-US" dirty="0"/>
+          </a:p>
+          <a:p>
+            <a:pPr marL="0" indent="0">
+              <a:buNone/>
+            </a:pPr>
+            <a:endParaRPr lang="ru-RU" dirty="0"/>
+          </a:p>
+        </p:txBody>
+      </p:sp>
+      <p:sp>
+        <p:nvSpPr>
+          <p:cNvPr id="4" name="Номер слайда 3"/>
+          <p:cNvSpPr>
+            <a:spLocks noGrp="1"/>
+          </p:cNvSpPr>
+          <p:nvPr>
+            <p:ph type="sldNum" sz="quarter" idx="4"/>
+          </p:nvPr>
+        </p:nvSpPr>
+        <p:spPr/>
+        <p:txBody>
+          <a:bodyPr/>
+          <a:lstStyle/>
+          <a:p>
+            <a:fld id="{1408683E-08AF-4C3A-BE40-2D9C57A20CF5}" type="slidenum">
+              <a:rPr lang="ru-RU" smtClean="0"/>
+              <a:pPr/>
+              <a:t>10</a:t>
+            </a:fld>
+            <a:endParaRPr lang="ru-RU" dirty="0"/>
+          </a:p>
+        </p:txBody>
+      </p:sp>
+    </p:spTree>
+    <p:extLst>
+      <p:ext uri="{BB962C8B-B14F-4D97-AF65-F5344CB8AC3E}">
+        <p14:creationId xmlns:p14="http://schemas.microsoft.com/office/powerpoint/2010/main" val="4204816907"/>
+      </p:ext>
+    </p:extLst>
+  </p:cSld>
+  <p:clrMapOvr>
+    <a:masterClrMapping/>
+  </p:clrMapOvr>
+  <p:transition>
+    <p:fade/>
+  </p:transition>
+</p:sld>
+</file>
+
+<file path=ppt/slides/slide11.xml><?xml version="1.0" encoding="utf-8"?>
+<p:sld xmlns:a="http://schemas.openxmlformats.org/drawingml/2006/main" xmlns:r="http://schemas.openxmlformats.org/officeDocument/2006/relationships" xmlns:p="http://schemas.openxmlformats.org/presentationml/2006/main">
+  <p:cSld>
+    <p:spTree>
+      <p:nvGrpSpPr>
+        <p:cNvPr id="1" name=""/>
+        <p:cNvGrpSpPr/>
+        <p:nvPr/>
+      </p:nvGrpSpPr>
+      <p:grpSpPr>
+        <a:xfrm>
+          <a:off x="0" y="0"/>
+          <a:ext cx="0" cy="0"/>
+          <a:chOff x="0" y="0"/>
+          <a:chExt cx="0" cy="0"/>
+        </a:xfrm>
+      </p:grpSpPr>
+      <p:sp>
+        <p:nvSpPr>
           <p:cNvPr id="498" name="Shape 498"/>
           <p:cNvSpPr>
             <a:spLocks noGrp="1"/>
@@ -23187,7 +23348,7 @@
           <a:lstStyle/>
           <a:p>
             <a:fld id="{86CB4B4D-7CA3-9044-876B-883B54F8677D}" type="slidenum">
-              <a:t>10</a:t>
+              <a:t>11</a:t>
             </a:fld>
             <a:endParaRPr/>
           </a:p>
@@ -23289,7 +23450,7 @@
 </p:sld>
 </file>
 
-<file path=ppt/slides/slide11.xml><?xml version="1.0" encoding="utf-8"?>
+<file path=ppt/slides/slide12.xml><?xml version="1.0" encoding="utf-8"?>
 <p:sld xmlns:a="http://schemas.openxmlformats.org/drawingml/2006/main" xmlns:r="http://schemas.openxmlformats.org/officeDocument/2006/relationships" xmlns:p="http://schemas.openxmlformats.org/presentationml/2006/main">
   <p:cSld>
     <p:spTree>

--- a/3/Golang lecture 3.pptx
+++ b/3/Golang lecture 3.pptx
@@ -227,7 +227,7 @@
           <a:p>
             <a:fld id="{1886D69E-4903-4E56-9A02-7589C40F1CB4}" type="datetimeFigureOut">
               <a:rPr lang="ru-RU" smtClean="0"/>
-              <a:t>07.03.2017</a:t>
+              <a:t>10.03.2017</a:t>
             </a:fld>
             <a:endParaRPr lang="ru-RU"/>
           </a:p>
@@ -392,7 +392,7 @@
           <a:p>
             <a:fld id="{9519BDBE-4875-4168-9F83-C285ECB28F2D}" type="datetimeFigureOut">
               <a:rPr lang="ru-RU" smtClean="0"/>
-              <a:t>07.03.2017</a:t>
+              <a:t>10.03.2017</a:t>
             </a:fld>
             <a:endParaRPr lang="ru-RU"/>
           </a:p>
@@ -5530,7 +5530,7 @@
           <a:p>
             <a:fld id="{8AAFC7D2-E6E4-46DB-9901-D88C85E7FD00}" type="datetimeFigureOut">
               <a:rPr lang="ru-RU" smtClean="0"/>
-              <a:t>07.03.2017</a:t>
+              <a:t>10.03.2017</a:t>
             </a:fld>
             <a:endParaRPr lang="ru-RU"/>
           </a:p>
@@ -7680,7 +7680,7 @@
           </a:ln>
           <a:extLst>
             <a:ext uri="{C572A759-6A51-4108-AA02-DFA0A04FC94B}">
-              <ma14:wrappingTextBoxFlag xmlns="" xmlns:ma14="http://schemas.microsoft.com/office/mac/drawingml/2011/main" val="1"/>
+              <ma14:wrappingTextBoxFlag xmlns:ma14="http://schemas.microsoft.com/office/mac/drawingml/2011/main" xmlns="" val="1"/>
             </a:ext>
           </a:extLst>
         </p:spPr>
@@ -8129,7 +8129,7 @@
           </a:ln>
           <a:extLst>
             <a:ext uri="{C572A759-6A51-4108-AA02-DFA0A04FC94B}">
-              <ma14:wrappingTextBoxFlag xmlns="" xmlns:ma14="http://schemas.microsoft.com/office/mac/drawingml/2011/main" val="1"/>
+              <ma14:wrappingTextBoxFlag xmlns:ma14="http://schemas.microsoft.com/office/mac/drawingml/2011/main" xmlns="" val="1"/>
             </a:ext>
           </a:extLst>
         </p:spPr>
@@ -14392,7 +14392,7 @@
           </a:ln>
           <a:extLst>
             <a:ext uri="{C572A759-6A51-4108-AA02-DFA0A04FC94B}">
-              <ma14:wrappingTextBoxFlag xmlns="" xmlns:ma14="http://schemas.microsoft.com/office/mac/drawingml/2011/main" val="1"/>
+              <ma14:wrappingTextBoxFlag xmlns:ma14="http://schemas.microsoft.com/office/mac/drawingml/2011/main" xmlns="" val="1"/>
             </a:ext>
           </a:extLst>
         </p:spPr>
@@ -14491,7 +14491,7 @@
           </a:ln>
           <a:extLst>
             <a:ext uri="{C572A759-6A51-4108-AA02-DFA0A04FC94B}">
-              <ma14:wrappingTextBoxFlag xmlns="" xmlns:ma14="http://schemas.microsoft.com/office/mac/drawingml/2011/main" val="1"/>
+              <ma14:wrappingTextBoxFlag xmlns:ma14="http://schemas.microsoft.com/office/mac/drawingml/2011/main" xmlns="" val="1"/>
             </a:ext>
           </a:extLst>
         </p:spPr>
@@ -15100,7 +15100,7 @@
           </a:ln>
           <a:extLst>
             <a:ext uri="{C572A759-6A51-4108-AA02-DFA0A04FC94B}">
-              <ma14:wrappingTextBoxFlag xmlns="" xmlns:ma14="http://schemas.microsoft.com/office/mac/drawingml/2011/main" val="1"/>
+              <ma14:wrappingTextBoxFlag xmlns:ma14="http://schemas.microsoft.com/office/mac/drawingml/2011/main" xmlns="" val="1"/>
             </a:ext>
           </a:extLst>
         </p:spPr>
@@ -15515,7 +15515,7 @@
           </a:ln>
           <a:extLst>
             <a:ext uri="{C572A759-6A51-4108-AA02-DFA0A04FC94B}">
-              <ma14:wrappingTextBoxFlag xmlns="" xmlns:ma14="http://schemas.microsoft.com/office/mac/drawingml/2011/main" val="1"/>
+              <ma14:wrappingTextBoxFlag xmlns:ma14="http://schemas.microsoft.com/office/mac/drawingml/2011/main" xmlns="" val="1"/>
             </a:ext>
           </a:extLst>
         </p:spPr>
@@ -15571,7 +15571,7 @@
           </a:ln>
           <a:extLst>
             <a:ext uri="{C572A759-6A51-4108-AA02-DFA0A04FC94B}">
-              <ma14:wrappingTextBoxFlag xmlns="" xmlns:ma14="http://schemas.microsoft.com/office/mac/drawingml/2011/main" val="1"/>
+              <ma14:wrappingTextBoxFlag xmlns:ma14="http://schemas.microsoft.com/office/mac/drawingml/2011/main" xmlns="" val="1"/>
             </a:ext>
           </a:extLst>
         </p:spPr>
@@ -15631,7 +15631,7 @@
           </a:ln>
           <a:extLst>
             <a:ext uri="{C572A759-6A51-4108-AA02-DFA0A04FC94B}">
-              <ma14:wrappingTextBoxFlag xmlns="" xmlns:ma14="http://schemas.microsoft.com/office/mac/drawingml/2011/main" val="1"/>
+              <ma14:wrappingTextBoxFlag xmlns:ma14="http://schemas.microsoft.com/office/mac/drawingml/2011/main" xmlns="" val="1"/>
             </a:ext>
           </a:extLst>
         </p:spPr>
@@ -15967,7 +15967,7 @@
           </a:ln>
           <a:extLst>
             <a:ext uri="{C572A759-6A51-4108-AA02-DFA0A04FC94B}">
-              <ma14:wrappingTextBoxFlag xmlns="" xmlns:ma14="http://schemas.microsoft.com/office/mac/drawingml/2011/main" val="1"/>
+              <ma14:wrappingTextBoxFlag xmlns:ma14="http://schemas.microsoft.com/office/mac/drawingml/2011/main" xmlns="" val="1"/>
             </a:ext>
           </a:extLst>
         </p:spPr>
@@ -16050,7 +16050,7 @@
           </a:ln>
           <a:extLst>
             <a:ext uri="{C572A759-6A51-4108-AA02-DFA0A04FC94B}">
-              <ma14:wrappingTextBoxFlag xmlns="" xmlns:ma14="http://schemas.microsoft.com/office/mac/drawingml/2011/main" val="1"/>
+              <ma14:wrappingTextBoxFlag xmlns:ma14="http://schemas.microsoft.com/office/mac/drawingml/2011/main" xmlns="" val="1"/>
             </a:ext>
           </a:extLst>
         </p:spPr>
@@ -21120,7 +21120,7 @@
           <a:p>
             <a:fld id="{8AAFC7D2-E6E4-46DB-9901-D88C85E7FD00}" type="datetimeFigureOut">
               <a:rPr lang="ru-RU" smtClean="0"/>
-              <a:t>07.03.2017</a:t>
+              <a:t>10.03.2017</a:t>
             </a:fld>
             <a:endParaRPr lang="ru-RU"/>
           </a:p>
@@ -21617,7 +21617,7 @@
           </a:ln>
           <a:extLst>
             <a:ext uri="{C572A759-6A51-4108-AA02-DFA0A04FC94B}">
-              <ma14:wrappingTextBoxFlag xmlns="" xmlns:ma14="http://schemas.microsoft.com/office/mac/drawingml/2011/main" val="1"/>
+              <ma14:wrappingTextBoxFlag xmlns:ma14="http://schemas.microsoft.com/office/mac/drawingml/2011/main" xmlns="" val="1"/>
             </a:ext>
           </a:extLst>
         </p:spPr>
@@ -21656,7 +21656,7 @@
           </a:ln>
           <a:extLst>
             <a:ext uri="{C572A759-6A51-4108-AA02-DFA0A04FC94B}">
-              <ma14:wrappingTextBoxFlag xmlns="" xmlns:ma14="http://schemas.microsoft.com/office/mac/drawingml/2011/main" val="1"/>
+              <ma14:wrappingTextBoxFlag xmlns:ma14="http://schemas.microsoft.com/office/mac/drawingml/2011/main" xmlns="" val="1"/>
             </a:ext>
           </a:extLst>
         </p:spPr>
@@ -23084,11 +23084,7 @@
             </a:r>
             <a:r>
               <a:rPr lang="ru-RU" dirty="0" smtClean="0"/>
-              <a:t>анятие </a:t>
-            </a:r>
-            <a:r>
-              <a:rPr lang="ru-RU" dirty="0" smtClean="0"/>
-              <a:t>3</a:t>
+              <a:t>анятие 3</a:t>
             </a:r>
             <a:endParaRPr lang="ru-RU" dirty="0"/>
           </a:p>
@@ -23339,7 +23335,7 @@
           </a:prstGeom>
           <a:extLst>
             <a:ext uri="{C572A759-6A51-4108-AA02-DFA0A04FC94B}">
-              <ma14:wrappingTextBoxFlag xmlns="" xmlns:ma14="http://schemas.microsoft.com/office/mac/drawingml/2011/main" val="1"/>
+              <ma14:wrappingTextBoxFlag xmlns:ma14="http://schemas.microsoft.com/office/mac/drawingml/2011/main" xmlns="" val="1"/>
             </a:ext>
           </a:extLst>
         </p:spPr>
@@ -23402,7 +23398,7 @@
           </a:ln>
           <a:extLst>
             <a:ext uri="{C572A759-6A51-4108-AA02-DFA0A04FC94B}">
-              <ma14:wrappingTextBoxFlag xmlns="" xmlns:ma14="http://schemas.microsoft.com/office/mac/drawingml/2011/main" val="1"/>
+              <ma14:wrappingTextBoxFlag xmlns:ma14="http://schemas.microsoft.com/office/mac/drawingml/2011/main" xmlns="" val="1"/>
             </a:ext>
           </a:extLst>
         </p:spPr>
@@ -23608,7 +23604,7 @@
           </a:prstGeom>
           <a:extLst>
             <a:ext uri="{C572A759-6A51-4108-AA02-DFA0A04FC94B}">
-              <ma14:wrappingTextBoxFlag xmlns="" xmlns:ma14="http://schemas.microsoft.com/office/mac/drawingml/2011/main" val="1"/>
+              <ma14:wrappingTextBoxFlag xmlns:ma14="http://schemas.microsoft.com/office/mac/drawingml/2011/main" xmlns="" val="1"/>
             </a:ext>
           </a:extLst>
         </p:spPr>
@@ -24082,12 +24078,20 @@
               <a:t>Высокоуровневая поддержка </a:t>
             </a:r>
             <a:r>
-              <a:rPr lang="ru-RU" dirty="0" err="1" smtClean="0"/>
-              <a:t>параллельногопрограммирования</a:t>
-            </a:r>
-            <a:r>
               <a:rPr lang="ru-RU" dirty="0" smtClean="0"/>
-              <a:t> в </a:t>
+              <a:t>параллельного</a:t>
+            </a:r>
+            <a:r>
+              <a:rPr lang="en-US" smtClean="0"/>
+              <a:t> </a:t>
+            </a:r>
+            <a:r>
+              <a:rPr lang="ru-RU" smtClean="0"/>
+              <a:t>программирования </a:t>
+            </a:r>
+            <a:r>
+              <a:rPr lang="ru-RU" dirty="0" smtClean="0"/>
+              <a:t>в </a:t>
             </a:r>
             <a:r>
               <a:rPr lang="en-US" dirty="0" smtClean="0"/>
